--- a/web/angular-demos-3-nodejs-rest-api.pptx
+++ b/web/angular-demos-3-nodejs-rest-api.pptx
@@ -315,7 +315,7 @@
           <a:p>
             <a:fld id="{8FFCBF7A-88F4-42AB-8735-0D8B06B496B0}" type="datetimeFigureOut">
               <a:rPr lang="fr-FR" smtClean="0"/>
-              <a:t>29/07/2023</a:t>
+              <a:t>19/08/2023</a:t>
             </a:fld>
             <a:endParaRPr lang="fr-FR"/>
           </a:p>
@@ -515,7 +515,7 @@
           <a:p>
             <a:fld id="{8FFCBF7A-88F4-42AB-8735-0D8B06B496B0}" type="datetimeFigureOut">
               <a:rPr lang="fr-FR" smtClean="0"/>
-              <a:t>29/07/2023</a:t>
+              <a:t>19/08/2023</a:t>
             </a:fld>
             <a:endParaRPr lang="fr-FR"/>
           </a:p>
@@ -725,7 +725,7 @@
           <a:p>
             <a:fld id="{8FFCBF7A-88F4-42AB-8735-0D8B06B496B0}" type="datetimeFigureOut">
               <a:rPr lang="fr-FR" smtClean="0"/>
-              <a:t>29/07/2023</a:t>
+              <a:t>19/08/2023</a:t>
             </a:fld>
             <a:endParaRPr lang="fr-FR"/>
           </a:p>
@@ -925,7 +925,7 @@
           <a:p>
             <a:fld id="{8FFCBF7A-88F4-42AB-8735-0D8B06B496B0}" type="datetimeFigureOut">
               <a:rPr lang="fr-FR" smtClean="0"/>
-              <a:t>29/07/2023</a:t>
+              <a:t>19/08/2023</a:t>
             </a:fld>
             <a:endParaRPr lang="fr-FR"/>
           </a:p>
@@ -1201,7 +1201,7 @@
           <a:p>
             <a:fld id="{8FFCBF7A-88F4-42AB-8735-0D8B06B496B0}" type="datetimeFigureOut">
               <a:rPr lang="fr-FR" smtClean="0"/>
-              <a:t>29/07/2023</a:t>
+              <a:t>19/08/2023</a:t>
             </a:fld>
             <a:endParaRPr lang="fr-FR"/>
           </a:p>
@@ -1469,7 +1469,7 @@
           <a:p>
             <a:fld id="{8FFCBF7A-88F4-42AB-8735-0D8B06B496B0}" type="datetimeFigureOut">
               <a:rPr lang="fr-FR" smtClean="0"/>
-              <a:t>29/07/2023</a:t>
+              <a:t>19/08/2023</a:t>
             </a:fld>
             <a:endParaRPr lang="fr-FR"/>
           </a:p>
@@ -1884,7 +1884,7 @@
           <a:p>
             <a:fld id="{8FFCBF7A-88F4-42AB-8735-0D8B06B496B0}" type="datetimeFigureOut">
               <a:rPr lang="fr-FR" smtClean="0"/>
-              <a:t>29/07/2023</a:t>
+              <a:t>19/08/2023</a:t>
             </a:fld>
             <a:endParaRPr lang="fr-FR"/>
           </a:p>
@@ -2026,7 +2026,7 @@
           <a:p>
             <a:fld id="{8FFCBF7A-88F4-42AB-8735-0D8B06B496B0}" type="datetimeFigureOut">
               <a:rPr lang="fr-FR" smtClean="0"/>
-              <a:t>29/07/2023</a:t>
+              <a:t>19/08/2023</a:t>
             </a:fld>
             <a:endParaRPr lang="fr-FR"/>
           </a:p>
@@ -2139,7 +2139,7 @@
           <a:p>
             <a:fld id="{8FFCBF7A-88F4-42AB-8735-0D8B06B496B0}" type="datetimeFigureOut">
               <a:rPr lang="fr-FR" smtClean="0"/>
-              <a:t>29/07/2023</a:t>
+              <a:t>19/08/2023</a:t>
             </a:fld>
             <a:endParaRPr lang="fr-FR"/>
           </a:p>
@@ -2452,7 +2452,7 @@
           <a:p>
             <a:fld id="{8FFCBF7A-88F4-42AB-8735-0D8B06B496B0}" type="datetimeFigureOut">
               <a:rPr lang="fr-FR" smtClean="0"/>
-              <a:t>29/07/2023</a:t>
+              <a:t>19/08/2023</a:t>
             </a:fld>
             <a:endParaRPr lang="fr-FR"/>
           </a:p>
@@ -2741,7 +2741,7 @@
           <a:p>
             <a:fld id="{8FFCBF7A-88F4-42AB-8735-0D8B06B496B0}" type="datetimeFigureOut">
               <a:rPr lang="fr-FR" smtClean="0"/>
-              <a:t>29/07/2023</a:t>
+              <a:t>19/08/2023</a:t>
             </a:fld>
             <a:endParaRPr lang="fr-FR"/>
           </a:p>
@@ -2984,7 +2984,7 @@
           <a:p>
             <a:fld id="{8FFCBF7A-88F4-42AB-8735-0D8B06B496B0}" type="datetimeFigureOut">
               <a:rPr lang="fr-FR" smtClean="0"/>
-              <a:t>29/07/2023</a:t>
+              <a:t>19/08/2023</a:t>
             </a:fld>
             <a:endParaRPr lang="fr-FR"/>
           </a:p>
@@ -14436,11 +14436,7 @@
               <a:rPr lang="fr-FR" dirty="0">
                 <a:hlinkClick r:id="rId3"/>
               </a:rPr>
-              <a:t>https://www.npmjs.com/package/swagger-express-router</a:t>
-            </a:r>
-            <a:r>
-              <a:rPr lang="fr-FR" dirty="0"/>
-              <a:t> </a:t>
+              <a:t>https://www.npmjs.com/package/swagger-jsdoc</a:t>
             </a:r>
             <a:br>
               <a:rPr lang="fr-FR" dirty="0"/>
